--- a/week_1/1.4 Objects.pptx
+++ b/week_1/1.4 Objects.pptx
@@ -195,7 +195,7 @@
           <a:p>
             <a:fld id="{E2E01966-F14F-EA45-806A-07F63E4623ED}" type="datetimeFigureOut">
               <a:rPr lang="en-US" smtClean="0"/>
-              <a:t>8/15/15</a:t>
+              <a:t>8/22/15</a:t>
             </a:fld>
             <a:endParaRPr lang="en-US"/>
           </a:p>
@@ -644,7 +644,7 @@
           <a:p>
             <a:fld id="{51DC3912-A3A9-D04D-BD3B-606E389382B7}" type="datetimeFigureOut">
               <a:rPr lang="en-US" smtClean="0"/>
-              <a:t>8/15/15</a:t>
+              <a:t>8/22/15</a:t>
             </a:fld>
             <a:endParaRPr lang="en-US"/>
           </a:p>
@@ -814,7 +814,7 @@
           <a:p>
             <a:fld id="{51DC3912-A3A9-D04D-BD3B-606E389382B7}" type="datetimeFigureOut">
               <a:rPr lang="en-US" smtClean="0"/>
-              <a:t>8/15/15</a:t>
+              <a:t>8/22/15</a:t>
             </a:fld>
             <a:endParaRPr lang="en-US"/>
           </a:p>
@@ -994,7 +994,7 @@
           <a:p>
             <a:fld id="{51DC3912-A3A9-D04D-BD3B-606E389382B7}" type="datetimeFigureOut">
               <a:rPr lang="en-US" smtClean="0"/>
-              <a:t>8/15/15</a:t>
+              <a:t>8/22/15</a:t>
             </a:fld>
             <a:endParaRPr lang="en-US"/>
           </a:p>
@@ -1164,7 +1164,7 @@
           <a:p>
             <a:fld id="{51DC3912-A3A9-D04D-BD3B-606E389382B7}" type="datetimeFigureOut">
               <a:rPr lang="en-US" smtClean="0"/>
-              <a:t>8/15/15</a:t>
+              <a:t>8/22/15</a:t>
             </a:fld>
             <a:endParaRPr lang="en-US"/>
           </a:p>
@@ -1410,7 +1410,7 @@
           <a:p>
             <a:fld id="{51DC3912-A3A9-D04D-BD3B-606E389382B7}" type="datetimeFigureOut">
               <a:rPr lang="en-US" smtClean="0"/>
-              <a:t>8/15/15</a:t>
+              <a:t>8/22/15</a:t>
             </a:fld>
             <a:endParaRPr lang="en-US"/>
           </a:p>
@@ -1698,7 +1698,7 @@
           <a:p>
             <a:fld id="{51DC3912-A3A9-D04D-BD3B-606E389382B7}" type="datetimeFigureOut">
               <a:rPr lang="en-US" smtClean="0"/>
-              <a:t>8/15/15</a:t>
+              <a:t>8/22/15</a:t>
             </a:fld>
             <a:endParaRPr lang="en-US"/>
           </a:p>
@@ -2120,7 +2120,7 @@
           <a:p>
             <a:fld id="{51DC3912-A3A9-D04D-BD3B-606E389382B7}" type="datetimeFigureOut">
               <a:rPr lang="en-US" smtClean="0"/>
-              <a:t>8/15/15</a:t>
+              <a:t>8/22/15</a:t>
             </a:fld>
             <a:endParaRPr lang="en-US"/>
           </a:p>
@@ -2238,7 +2238,7 @@
           <a:p>
             <a:fld id="{51DC3912-A3A9-D04D-BD3B-606E389382B7}" type="datetimeFigureOut">
               <a:rPr lang="en-US" smtClean="0"/>
-              <a:t>8/15/15</a:t>
+              <a:t>8/22/15</a:t>
             </a:fld>
             <a:endParaRPr lang="en-US"/>
           </a:p>
@@ -2333,7 +2333,7 @@
           <a:p>
             <a:fld id="{51DC3912-A3A9-D04D-BD3B-606E389382B7}" type="datetimeFigureOut">
               <a:rPr lang="en-US" smtClean="0"/>
-              <a:t>8/15/15</a:t>
+              <a:t>8/22/15</a:t>
             </a:fld>
             <a:endParaRPr lang="en-US"/>
           </a:p>
@@ -2610,7 +2610,7 @@
           <a:p>
             <a:fld id="{51DC3912-A3A9-D04D-BD3B-606E389382B7}" type="datetimeFigureOut">
               <a:rPr lang="en-US" smtClean="0"/>
-              <a:t>8/15/15</a:t>
+              <a:t>8/22/15</a:t>
             </a:fld>
             <a:endParaRPr lang="en-US"/>
           </a:p>
@@ -2863,7 +2863,7 @@
           <a:p>
             <a:fld id="{51DC3912-A3A9-D04D-BD3B-606E389382B7}" type="datetimeFigureOut">
               <a:rPr lang="en-US" smtClean="0"/>
-              <a:t>8/15/15</a:t>
+              <a:t>8/22/15</a:t>
             </a:fld>
             <a:endParaRPr lang="en-US"/>
           </a:p>
@@ -3076,7 +3076,7 @@
           <a:p>
             <a:fld id="{51DC3912-A3A9-D04D-BD3B-606E389382B7}" type="datetimeFigureOut">
               <a:rPr lang="en-US" smtClean="0"/>
-              <a:t>8/15/15</a:t>
+              <a:t>8/22/15</a:t>
             </a:fld>
             <a:endParaRPr lang="en-US"/>
           </a:p>
@@ -4715,7 +4715,15 @@
           <a:bodyPr/>
           <a:lstStyle/>
           <a:p>
-            <a:endParaRPr lang="en-US"/>
+            <a:r>
+              <a:rPr lang="en-US" dirty="0" smtClean="0"/>
+              <a:t>Strongly-</a:t>
+            </a:r>
+            <a:r>
+              <a:rPr lang="en-US" smtClean="0"/>
+              <a:t>typed languages</a:t>
+            </a:r>
+            <a:endParaRPr lang="en-US" dirty="0"/>
           </a:p>
         </p:txBody>
       </p:sp>
